--- a/Chess/О проекте.pptx
+++ b/Chess/О проекте.pptx
@@ -10,7 +10,8 @@
     <p:sldId id="258" r:id="rId4"/>
     <p:sldId id="259" r:id="rId5"/>
     <p:sldId id="260" r:id="rId6"/>
-    <p:sldId id="261" r:id="rId7"/>
+    <p:sldId id="263" r:id="rId7"/>
+    <p:sldId id="261" r:id="rId8"/>
   </p:sldIdLst>
   <p:sldSz cx="12192000" cy="6858000"/>
   <p:notesSz cx="6858000" cy="9144000"/>
@@ -7876,17 +7877,28 @@
           <a:lstStyle/>
           <a:p>
             <a:r>
-              <a:rPr lang="ru-RU" sz="3600" dirty="0" smtClean="0"/>
+              <a:rPr lang="ru-RU" sz="3200" dirty="0" smtClean="0"/>
               <a:t>Идея проекта – обычная настольная игра Шахматы</a:t>
             </a:r>
             <a:r>
-              <a:rPr lang="en-US" sz="3600" dirty="0" smtClean="0"/>
+              <a:rPr lang="en-US" sz="3200" dirty="0" smtClean="0"/>
               <a:t>, </a:t>
             </a:r>
             <a:r>
-              <a:rPr lang="ru-RU" sz="3600" dirty="0" smtClean="0"/>
-              <a:t>но с небольшим изменением – чтобы победить нужно срубить короля</a:t>
-            </a:r>
+              <a:rPr lang="ru-RU" sz="3200" dirty="0" smtClean="0"/>
+              <a:t>но с небольшим изменением – чтобы победить нужно срубить </a:t>
+            </a:r>
+            <a:r>
+              <a:rPr lang="ru-RU" sz="3200" dirty="0" smtClean="0"/>
+              <a:t>короля.</a:t>
+            </a:r>
+          </a:p>
+          <a:p>
+            <a:r>
+              <a:rPr lang="ru-RU" sz="3200" dirty="0"/>
+              <a:t>Программа является игрой, но это игра, в которой нужно думать головой. Не зря ее называют игрой королей.</a:t>
+            </a:r>
+            <a:endParaRPr lang="ru-RU" sz="3200" dirty="0" smtClean="0"/>
           </a:p>
         </p:txBody>
       </p:sp>
@@ -8488,6 +8500,66 @@
 </file>
 
 <file path=ppt/slides/slide6.xml><?xml version="1.0" encoding="utf-8"?>
+<p:sld xmlns:a="http://schemas.openxmlformats.org/drawingml/2006/main" xmlns:r="http://schemas.openxmlformats.org/officeDocument/2006/relationships" xmlns:p="http://schemas.openxmlformats.org/presentationml/2006/main">
+  <p:cSld>
+    <p:spTree>
+      <p:nvGrpSpPr>
+        <p:cNvPr id="1" name=""/>
+        <p:cNvGrpSpPr/>
+        <p:nvPr/>
+      </p:nvGrpSpPr>
+      <p:grpSpPr>
+        <a:xfrm>
+          <a:off x="0" y="0"/>
+          <a:ext cx="0" cy="0"/>
+          <a:chOff x="0" y="0"/>
+          <a:chExt cx="0" cy="0"/>
+        </a:xfrm>
+      </p:grpSpPr>
+      <p:sp>
+        <p:nvSpPr>
+          <p:cNvPr id="2" name="Заголовок 1"/>
+          <p:cNvSpPr>
+            <a:spLocks noGrp="1"/>
+          </p:cNvSpPr>
+          <p:nvPr>
+            <p:ph type="title"/>
+          </p:nvPr>
+        </p:nvSpPr>
+        <p:spPr>
+          <a:xfrm>
+            <a:off x="990600" y="1549400"/>
+            <a:ext cx="11023600" cy="4914900"/>
+          </a:xfrm>
+        </p:spPr>
+        <p:txBody>
+          <a:bodyPr>
+            <a:normAutofit/>
+          </a:bodyPr>
+          <a:lstStyle/>
+          <a:p>
+            <a:r>
+              <a:rPr lang="ru-RU" sz="4800" dirty="0"/>
+              <a:t>В заключение можно добавить, что игру есть куда улучшать, хоть игра и не нова есть куча идей для ее улучшения.</a:t>
+            </a:r>
+            <a:endParaRPr lang="ru-RU" sz="4800" dirty="0"/>
+          </a:p>
+        </p:txBody>
+      </p:sp>
+    </p:spTree>
+    <p:extLst>
+      <p:ext uri="{BB962C8B-B14F-4D97-AF65-F5344CB8AC3E}">
+        <p14:creationId xmlns:p14="http://schemas.microsoft.com/office/powerpoint/2010/main" val="1425032022"/>
+      </p:ext>
+    </p:extLst>
+  </p:cSld>
+  <p:clrMapOvr>
+    <a:masterClrMapping/>
+  </p:clrMapOvr>
+</p:sld>
+</file>
+
+<file path=ppt/slides/slide7.xml><?xml version="1.0" encoding="utf-8"?>
 <p:sld xmlns:a="http://schemas.openxmlformats.org/drawingml/2006/main" xmlns:r="http://schemas.openxmlformats.org/officeDocument/2006/relationships" xmlns:p="http://schemas.openxmlformats.org/presentationml/2006/main">
   <p:cSld>
     <p:spTree>
